--- a/docs/DS Capstone Project.pptx
+++ b/docs/DS Capstone Project.pptx
@@ -112,6 +112,11 @@
       </a:defRPr>
     </a:lvl9pPr>
   </p:defaultTextStyle>
+  <p:extLst>
+    <p:ext uri="{EFAFB233-063F-42B5-8137-9DF3F51BA10A}">
+      <p15:sldGuideLst xmlns:p15="http://schemas.microsoft.com/office/powerpoint/2012/main"/>
+    </p:ext>
+  </p:extLst>
 </p:presentation>
 </file>
 
@@ -6456,12 +6461,14 @@
           </a:xfrm>
         </p:spPr>
         <p:txBody>
-          <a:bodyPr/>
+          <a:bodyPr>
+            <a:normAutofit fontScale="90000"/>
+          </a:bodyPr>
           <a:lstStyle/>
           <a:p>
             <a:r>
               <a:rPr lang="en-US" dirty="0"/>
-              <a:t>Model Predict Sale from NA to EU</a:t>
+              <a:t>Model Predict Sale from NA to EU/JP/Others</a:t>
             </a:r>
           </a:p>
         </p:txBody>
@@ -6510,7 +6517,10 @@
             </a:r>
           </a:p>
           <a:p>
-            <a:endParaRPr lang="en-US" dirty="0"/>
+            <a:r>
+              <a:rPr lang="en-US" dirty="0"/>
+              <a:t>NA to EU model:</a:t>
+            </a:r>
           </a:p>
         </p:txBody>
       </p:sp>
